--- a/img/Praxiskonzept.pptx
+++ b/img/Praxiskonzept.pptx
@@ -244,7 +244,7 @@
           <a:p>
             <a:fld id="{710377C1-A501-AE4E-B59F-777BBEB7BF53}" type="datetimeFigureOut">
               <a:rPr lang="de-DE" smtClean="0"/>
-              <a:t>07.07.24</a:t>
+              <a:t>14.07.24</a:t>
             </a:fld>
             <a:endParaRPr lang="de-DE"/>
           </a:p>
@@ -414,7 +414,7 @@
           <a:p>
             <a:fld id="{710377C1-A501-AE4E-B59F-777BBEB7BF53}" type="datetimeFigureOut">
               <a:rPr lang="de-DE" smtClean="0"/>
-              <a:t>07.07.24</a:t>
+              <a:t>14.07.24</a:t>
             </a:fld>
             <a:endParaRPr lang="de-DE"/>
           </a:p>
@@ -594,7 +594,7 @@
           <a:p>
             <a:fld id="{710377C1-A501-AE4E-B59F-777BBEB7BF53}" type="datetimeFigureOut">
               <a:rPr lang="de-DE" smtClean="0"/>
-              <a:t>07.07.24</a:t>
+              <a:t>14.07.24</a:t>
             </a:fld>
             <a:endParaRPr lang="de-DE"/>
           </a:p>
@@ -764,7 +764,7 @@
           <a:p>
             <a:fld id="{710377C1-A501-AE4E-B59F-777BBEB7BF53}" type="datetimeFigureOut">
               <a:rPr lang="de-DE" smtClean="0"/>
-              <a:t>07.07.24</a:t>
+              <a:t>14.07.24</a:t>
             </a:fld>
             <a:endParaRPr lang="de-DE"/>
           </a:p>
@@ -1010,7 +1010,7 @@
           <a:p>
             <a:fld id="{710377C1-A501-AE4E-B59F-777BBEB7BF53}" type="datetimeFigureOut">
               <a:rPr lang="de-DE" smtClean="0"/>
-              <a:t>07.07.24</a:t>
+              <a:t>14.07.24</a:t>
             </a:fld>
             <a:endParaRPr lang="de-DE"/>
           </a:p>
@@ -1242,7 +1242,7 @@
           <a:p>
             <a:fld id="{710377C1-A501-AE4E-B59F-777BBEB7BF53}" type="datetimeFigureOut">
               <a:rPr lang="de-DE" smtClean="0"/>
-              <a:t>07.07.24</a:t>
+              <a:t>14.07.24</a:t>
             </a:fld>
             <a:endParaRPr lang="de-DE"/>
           </a:p>
@@ -1609,7 +1609,7 @@
           <a:p>
             <a:fld id="{710377C1-A501-AE4E-B59F-777BBEB7BF53}" type="datetimeFigureOut">
               <a:rPr lang="de-DE" smtClean="0"/>
-              <a:t>07.07.24</a:t>
+              <a:t>14.07.24</a:t>
             </a:fld>
             <a:endParaRPr lang="de-DE"/>
           </a:p>
@@ -1727,7 +1727,7 @@
           <a:p>
             <a:fld id="{710377C1-A501-AE4E-B59F-777BBEB7BF53}" type="datetimeFigureOut">
               <a:rPr lang="de-DE" smtClean="0"/>
-              <a:t>07.07.24</a:t>
+              <a:t>14.07.24</a:t>
             </a:fld>
             <a:endParaRPr lang="de-DE"/>
           </a:p>
@@ -1822,7 +1822,7 @@
           <a:p>
             <a:fld id="{710377C1-A501-AE4E-B59F-777BBEB7BF53}" type="datetimeFigureOut">
               <a:rPr lang="de-DE" smtClean="0"/>
-              <a:t>07.07.24</a:t>
+              <a:t>14.07.24</a:t>
             </a:fld>
             <a:endParaRPr lang="de-DE"/>
           </a:p>
@@ -2099,7 +2099,7 @@
           <a:p>
             <a:fld id="{710377C1-A501-AE4E-B59F-777BBEB7BF53}" type="datetimeFigureOut">
               <a:rPr lang="de-DE" smtClean="0"/>
-              <a:t>07.07.24</a:t>
+              <a:t>14.07.24</a:t>
             </a:fld>
             <a:endParaRPr lang="de-DE"/>
           </a:p>
@@ -2356,7 +2356,7 @@
           <a:p>
             <a:fld id="{710377C1-A501-AE4E-B59F-777BBEB7BF53}" type="datetimeFigureOut">
               <a:rPr lang="de-DE" smtClean="0"/>
-              <a:t>07.07.24</a:t>
+              <a:t>14.07.24</a:t>
             </a:fld>
             <a:endParaRPr lang="de-DE"/>
           </a:p>
@@ -2569,7 +2569,7 @@
           <a:p>
             <a:fld id="{710377C1-A501-AE4E-B59F-777BBEB7BF53}" type="datetimeFigureOut">
               <a:rPr lang="de-DE" smtClean="0"/>
-              <a:t>07.07.24</a:t>
+              <a:t>14.07.24</a:t>
             </a:fld>
             <a:endParaRPr lang="de-DE"/>
           </a:p>
@@ -3317,7 +3317,7 @@
             <a:r>
               <a:rPr lang="de-DE" sz="1600" b="0" i="0" u="none" strike="noStrike" dirty="0" err="1">
                 <a:solidFill>
-                  <a:srgbClr val="8CD000"/>
+                  <a:srgbClr val="7FC400"/>
                 </a:solidFill>
                 <a:effectLst/>
                 <a:highlight>
@@ -3330,7 +3330,7 @@
             <a:r>
               <a:rPr lang="de-DE" sz="1600" b="0" i="0" u="none" strike="noStrike" dirty="0">
                 <a:solidFill>
-                  <a:srgbClr val="8CD000"/>
+                  <a:srgbClr val="7FC400"/>
                 </a:solidFill>
                 <a:effectLst/>
                 <a:highlight>
@@ -3342,7 +3342,7 @@
             </a:r>
             <a:endParaRPr lang="de-DE" sz="1600" u="sng" dirty="0">
               <a:solidFill>
-                <a:srgbClr val="8CD000"/>
+                <a:srgbClr val="7FC400"/>
               </a:solidFill>
             </a:endParaRPr>
           </a:p>
@@ -3362,7 +3362,7 @@
 </file>
 
 <file path=ppt/slides/slide2.xml><?xml version="1.0" encoding="utf-8"?>
-<p:sld xmlns:a="http://schemas.openxmlformats.org/drawingml/2006/main" xmlns:r="http://schemas.openxmlformats.org/officeDocument/2006/relationships" xmlns:p="http://schemas.openxmlformats.org/presentationml/2006/main">
+<p:sld xmlns:a="http://schemas.openxmlformats.org/drawingml/2006/main" xmlns:r="http://schemas.openxmlformats.org/officeDocument/2006/relationships" xmlns:p="http://schemas.openxmlformats.org/presentationml/2006/main" show="0">
   <p:cSld>
     <p:bg>
       <p:bgPr>
@@ -3767,7 +3767,7 @@
             <a:r>
               <a:rPr lang="de-DE" sz="1800" b="0" i="0" u="none" strike="noStrike" dirty="0">
                 <a:solidFill>
-                  <a:srgbClr val="8CD000"/>
+                  <a:srgbClr val="7FC400"/>
                 </a:solidFill>
                 <a:effectLst/>
                 <a:highlight>
@@ -3779,7 +3779,7 @@
             </a:r>
             <a:endParaRPr lang="de-DE" sz="1800" u="sng" dirty="0">
               <a:solidFill>
-                <a:srgbClr val="8CD000"/>
+                <a:srgbClr val="7FC400"/>
               </a:solidFill>
             </a:endParaRPr>
           </a:p>

--- a/img/Praxiskonzept.pptx
+++ b/img/Praxiskonzept.pptx
@@ -244,7 +244,7 @@
           <a:p>
             <a:fld id="{710377C1-A501-AE4E-B59F-777BBEB7BF53}" type="datetimeFigureOut">
               <a:rPr lang="de-DE" smtClean="0"/>
-              <a:t>14.07.24</a:t>
+              <a:t>18.07.24</a:t>
             </a:fld>
             <a:endParaRPr lang="de-DE"/>
           </a:p>
@@ -414,7 +414,7 @@
           <a:p>
             <a:fld id="{710377C1-A501-AE4E-B59F-777BBEB7BF53}" type="datetimeFigureOut">
               <a:rPr lang="de-DE" smtClean="0"/>
-              <a:t>14.07.24</a:t>
+              <a:t>18.07.24</a:t>
             </a:fld>
             <a:endParaRPr lang="de-DE"/>
           </a:p>
@@ -594,7 +594,7 @@
           <a:p>
             <a:fld id="{710377C1-A501-AE4E-B59F-777BBEB7BF53}" type="datetimeFigureOut">
               <a:rPr lang="de-DE" smtClean="0"/>
-              <a:t>14.07.24</a:t>
+              <a:t>18.07.24</a:t>
             </a:fld>
             <a:endParaRPr lang="de-DE"/>
           </a:p>
@@ -764,7 +764,7 @@
           <a:p>
             <a:fld id="{710377C1-A501-AE4E-B59F-777BBEB7BF53}" type="datetimeFigureOut">
               <a:rPr lang="de-DE" smtClean="0"/>
-              <a:t>14.07.24</a:t>
+              <a:t>18.07.24</a:t>
             </a:fld>
             <a:endParaRPr lang="de-DE"/>
           </a:p>
@@ -1010,7 +1010,7 @@
           <a:p>
             <a:fld id="{710377C1-A501-AE4E-B59F-777BBEB7BF53}" type="datetimeFigureOut">
               <a:rPr lang="de-DE" smtClean="0"/>
-              <a:t>14.07.24</a:t>
+              <a:t>18.07.24</a:t>
             </a:fld>
             <a:endParaRPr lang="de-DE"/>
           </a:p>
@@ -1242,7 +1242,7 @@
           <a:p>
             <a:fld id="{710377C1-A501-AE4E-B59F-777BBEB7BF53}" type="datetimeFigureOut">
               <a:rPr lang="de-DE" smtClean="0"/>
-              <a:t>14.07.24</a:t>
+              <a:t>18.07.24</a:t>
             </a:fld>
             <a:endParaRPr lang="de-DE"/>
           </a:p>
@@ -1609,7 +1609,7 @@
           <a:p>
             <a:fld id="{710377C1-A501-AE4E-B59F-777BBEB7BF53}" type="datetimeFigureOut">
               <a:rPr lang="de-DE" smtClean="0"/>
-              <a:t>14.07.24</a:t>
+              <a:t>18.07.24</a:t>
             </a:fld>
             <a:endParaRPr lang="de-DE"/>
           </a:p>
@@ -1727,7 +1727,7 @@
           <a:p>
             <a:fld id="{710377C1-A501-AE4E-B59F-777BBEB7BF53}" type="datetimeFigureOut">
               <a:rPr lang="de-DE" smtClean="0"/>
-              <a:t>14.07.24</a:t>
+              <a:t>18.07.24</a:t>
             </a:fld>
             <a:endParaRPr lang="de-DE"/>
           </a:p>
@@ -1822,7 +1822,7 @@
           <a:p>
             <a:fld id="{710377C1-A501-AE4E-B59F-777BBEB7BF53}" type="datetimeFigureOut">
               <a:rPr lang="de-DE" smtClean="0"/>
-              <a:t>14.07.24</a:t>
+              <a:t>18.07.24</a:t>
             </a:fld>
             <a:endParaRPr lang="de-DE"/>
           </a:p>
@@ -2099,7 +2099,7 @@
           <a:p>
             <a:fld id="{710377C1-A501-AE4E-B59F-777BBEB7BF53}" type="datetimeFigureOut">
               <a:rPr lang="de-DE" smtClean="0"/>
-              <a:t>14.07.24</a:t>
+              <a:t>18.07.24</a:t>
             </a:fld>
             <a:endParaRPr lang="de-DE"/>
           </a:p>
@@ -2356,7 +2356,7 @@
           <a:p>
             <a:fld id="{710377C1-A501-AE4E-B59F-777BBEB7BF53}" type="datetimeFigureOut">
               <a:rPr lang="de-DE" smtClean="0"/>
-              <a:t>14.07.24</a:t>
+              <a:t>18.07.24</a:t>
             </a:fld>
             <a:endParaRPr lang="de-DE"/>
           </a:p>
@@ -2569,7 +2569,7 @@
           <a:p>
             <a:fld id="{710377C1-A501-AE4E-B59F-777BBEB7BF53}" type="datetimeFigureOut">
               <a:rPr lang="de-DE" smtClean="0"/>
-              <a:t>14.07.24</a:t>
+              <a:t>18.07.24</a:t>
             </a:fld>
             <a:endParaRPr lang="de-DE"/>
           </a:p>
@@ -3273,81 +3273,6 @@
           </a:p>
         </p:txBody>
       </p:sp>
-      <p:sp>
-        <p:nvSpPr>
-          <p:cNvPr id="2" name="Textfeld 1">
-            <a:extLst>
-              <a:ext uri="{FF2B5EF4-FFF2-40B4-BE49-F238E27FC236}">
-                <a16:creationId xmlns:a16="http://schemas.microsoft.com/office/drawing/2014/main" id="{CB198EC9-86F8-0F7B-8B5C-46F9CA35EDA2}"/>
-              </a:ext>
-            </a:extLst>
-          </p:cNvPr>
-          <p:cNvSpPr txBox="1"/>
-          <p:nvPr/>
-        </p:nvSpPr>
-        <p:spPr>
-          <a:xfrm>
-            <a:off x="0" y="5013341"/>
-            <a:ext cx="5400675" cy="338554"/>
-          </a:xfrm>
-          <a:prstGeom prst="rect">
-            <a:avLst/>
-          </a:prstGeom>
-          <a:noFill/>
-        </p:spPr>
-        <p:txBody>
-          <a:bodyPr wrap="square" rtlCol="0">
-            <a:spAutoFit/>
-          </a:bodyPr>
-          <a:lstStyle/>
-          <a:p>
-            <a:r>
-              <a:rPr lang="de-DE" sz="1600" b="0" i="0" u="none" strike="noStrike" dirty="0">
-                <a:solidFill>
-                  <a:srgbClr val="267326"/>
-                </a:solidFill>
-                <a:effectLst/>
-                <a:highlight>
-                  <a:srgbClr val="F2F2F2"/>
-                </a:highlight>
-                <a:latin typeface="Alegreya Sans"/>
-              </a:rPr>
-              <a:t>Modell evidenzbasierten Unterrichts nach </a:t>
-            </a:r>
-            <a:r>
-              <a:rPr lang="de-DE" sz="1600" b="0" i="0" u="none" strike="noStrike" dirty="0" err="1">
-                <a:solidFill>
-                  <a:srgbClr val="7FC400"/>
-                </a:solidFill>
-                <a:effectLst/>
-                <a:highlight>
-                  <a:srgbClr val="F2F2F2"/>
-                </a:highlight>
-                <a:latin typeface="Alegreya Sans"/>
-              </a:rPr>
-              <a:t>Rochnia</a:t>
-            </a:r>
-            <a:r>
-              <a:rPr lang="de-DE" sz="1600" b="0" i="0" u="none" strike="noStrike" dirty="0">
-                <a:solidFill>
-                  <a:srgbClr val="7FC400"/>
-                </a:solidFill>
-                <a:effectLst/>
-                <a:highlight>
-                  <a:srgbClr val="F2F2F2"/>
-                </a:highlight>
-                <a:latin typeface="Alegreya Sans"/>
-              </a:rPr>
-              <a:t> et al. (2020)</a:t>
-            </a:r>
-            <a:endParaRPr lang="de-DE" sz="1600" u="sng" dirty="0">
-              <a:solidFill>
-                <a:srgbClr val="7FC400"/>
-              </a:solidFill>
-            </a:endParaRPr>
-          </a:p>
-        </p:txBody>
-      </p:sp>
     </p:spTree>
     <p:extLst>
       <p:ext uri="{BB962C8B-B14F-4D97-AF65-F5344CB8AC3E}">

--- a/img/Praxiskonzept.pptx
+++ b/img/Praxiskonzept.pptx
@@ -3005,7 +3005,7 @@
           <a:noFill/>
           <a:ln>
             <a:solidFill>
-              <a:srgbClr val="267326"/>
+              <a:schemeClr val="tx1"/>
             </a:solidFill>
           </a:ln>
         </p:spPr>
@@ -3030,7 +3030,7 @@
             <a:pPr algn="ctr"/>
             <a:endParaRPr lang="de-DE" dirty="0">
               <a:solidFill>
-                <a:srgbClr val="267326"/>
+                <a:schemeClr val="tx1"/>
               </a:solidFill>
             </a:endParaRPr>
           </a:p>
@@ -3059,7 +3059,7 @@
           <a:noFill/>
           <a:ln>
             <a:solidFill>
-              <a:srgbClr val="267326"/>
+              <a:schemeClr val="tx1"/>
             </a:solidFill>
           </a:ln>
         </p:spPr>
@@ -3082,7 +3082,11 @@
           <a:lstStyle/>
           <a:p>
             <a:pPr algn="ctr"/>
-            <a:endParaRPr lang="de-DE" dirty="0"/>
+            <a:endParaRPr lang="de-DE" dirty="0">
+              <a:solidFill>
+                <a:schemeClr val="tx1"/>
+              </a:solidFill>
+            </a:endParaRPr>
           </a:p>
         </p:txBody>
       </p:sp>
@@ -3107,6 +3111,9 @@
             <a:avLst/>
           </a:prstGeom>
           <a:noFill/>
+          <a:ln>
+            <a:noFill/>
+          </a:ln>
         </p:spPr>
         <p:txBody>
           <a:bodyPr wrap="square" rtlCol="0">
@@ -3115,21 +3122,13 @@
           <a:lstStyle/>
           <a:p>
             <a:r>
-              <a:rPr lang="de-DE" sz="1600" dirty="0">
-                <a:solidFill>
-                  <a:srgbClr val="267326"/>
-                </a:solidFill>
-              </a:rPr>
+              <a:rPr lang="de-DE" sz="1600" dirty="0"/>
               <a:t>Erfahrung der </a:t>
             </a:r>
           </a:p>
           <a:p>
             <a:r>
-              <a:rPr lang="de-DE" sz="1600" dirty="0">
-                <a:solidFill>
-                  <a:srgbClr val="267326"/>
-                </a:solidFill>
-              </a:rPr>
+              <a:rPr lang="de-DE" sz="1600" dirty="0"/>
               <a:t>Lehrkraft</a:t>
             </a:r>
           </a:p>
@@ -3158,7 +3157,7 @@
           <a:noFill/>
           <a:ln>
             <a:solidFill>
-              <a:srgbClr val="267326"/>
+              <a:schemeClr val="tx1"/>
             </a:solidFill>
           </a:ln>
         </p:spPr>
@@ -3181,7 +3180,11 @@
           <a:lstStyle/>
           <a:p>
             <a:pPr algn="ctr"/>
-            <a:endParaRPr lang="de-DE" dirty="0"/>
+            <a:endParaRPr lang="de-DE" dirty="0">
+              <a:solidFill>
+                <a:schemeClr val="tx1"/>
+              </a:solidFill>
+            </a:endParaRPr>
           </a:p>
         </p:txBody>
       </p:sp>
@@ -3206,6 +3209,9 @@
             <a:avLst/>
           </a:prstGeom>
           <a:noFill/>
+          <a:ln>
+            <a:noFill/>
+          </a:ln>
         </p:spPr>
         <p:txBody>
           <a:bodyPr wrap="square" rtlCol="0">
@@ -3214,11 +3220,7 @@
           <a:lstStyle/>
           <a:p>
             <a:r>
-              <a:rPr lang="de-DE" sz="1600" dirty="0">
-                <a:solidFill>
-                  <a:srgbClr val="267326"/>
-                </a:solidFill>
-              </a:rPr>
+              <a:rPr lang="de-DE" sz="1600" dirty="0"/>
               <a:t>Evidenz</a:t>
             </a:r>
           </a:p>
@@ -3245,6 +3247,9 @@
             <a:avLst/>
           </a:prstGeom>
           <a:noFill/>
+          <a:ln>
+            <a:noFill/>
+          </a:ln>
         </p:spPr>
         <p:txBody>
           <a:bodyPr wrap="square" rtlCol="0">
@@ -3253,22 +3258,49 @@
           <a:lstStyle/>
           <a:p>
             <a:r>
-              <a:rPr lang="de-DE" sz="1600" dirty="0">
-                <a:solidFill>
-                  <a:srgbClr val="267326"/>
-                </a:solidFill>
-              </a:rPr>
+              <a:rPr lang="de-DE" sz="1600" dirty="0"/>
               <a:t>Merkmale der Klasse</a:t>
             </a:r>
           </a:p>
           <a:p>
             <a:r>
-              <a:rPr lang="de-DE" sz="1600" dirty="0">
-                <a:solidFill>
-                  <a:srgbClr val="267326"/>
-                </a:solidFill>
-              </a:rPr>
+              <a:rPr lang="de-DE" sz="1600" dirty="0"/>
               <a:t>&amp; Lehrinhalte </a:t>
+            </a:r>
+          </a:p>
+        </p:txBody>
+      </p:sp>
+      <p:sp>
+        <p:nvSpPr>
+          <p:cNvPr id="2" name="Textfeld 1">
+            <a:extLst>
+              <a:ext uri="{FF2B5EF4-FFF2-40B4-BE49-F238E27FC236}">
+                <a16:creationId xmlns:a16="http://schemas.microsoft.com/office/drawing/2014/main" id="{BA4B596B-1A8F-09D7-7388-87EB69F6400E}"/>
+              </a:ext>
+            </a:extLst>
+          </p:cNvPr>
+          <p:cNvSpPr txBox="1"/>
+          <p:nvPr/>
+        </p:nvSpPr>
+        <p:spPr>
+          <a:xfrm>
+            <a:off x="2454965" y="2026953"/>
+            <a:ext cx="735495" cy="369332"/>
+          </a:xfrm>
+          <a:prstGeom prst="rect">
+            <a:avLst/>
+          </a:prstGeom>
+          <a:noFill/>
+        </p:spPr>
+        <p:txBody>
+          <a:bodyPr wrap="square" rtlCol="0">
+            <a:spAutoFit/>
+          </a:bodyPr>
+          <a:lstStyle/>
+          <a:p>
+            <a:r>
+              <a:rPr lang="de-DE" dirty="0"/>
+              <a:t>EBU</a:t>
             </a:r>
           </a:p>
         </p:txBody>
